--- a/シフマネ_渡辺晃大朗.pptx
+++ b/シフマネ_渡辺晃大朗.pptx
@@ -6,11 +6,12 @@
   </p:sldMasterIdLst>
   <p:sldIdLst>
     <p:sldId id="256" r:id="rId2"/>
-    <p:sldId id="257" r:id="rId3"/>
-    <p:sldId id="260" r:id="rId4"/>
-    <p:sldId id="258" r:id="rId5"/>
-    <p:sldId id="259" r:id="rId6"/>
-    <p:sldId id="261" r:id="rId7"/>
+    <p:sldId id="262" r:id="rId3"/>
+    <p:sldId id="257" r:id="rId4"/>
+    <p:sldId id="260" r:id="rId5"/>
+    <p:sldId id="258" r:id="rId6"/>
+    <p:sldId id="259" r:id="rId7"/>
+    <p:sldId id="261" r:id="rId8"/>
   </p:sldIdLst>
   <p:sldSz cx="12192000" cy="6858000"/>
   <p:notesSz cx="6858000" cy="9144000"/>
@@ -3682,7 +3683,7 @@
           <p:cNvPr id="2" name="タイトル 1">
             <a:extLst>
               <a:ext uri="{FF2B5EF4-FFF2-40B4-BE49-F238E27FC236}">
-                <a16:creationId xmlns:a16="http://schemas.microsoft.com/office/drawing/2014/main" id="{2181C7CA-FEC8-7904-043F-1C3EA62864B1}"/>
+                <a16:creationId xmlns:a16="http://schemas.microsoft.com/office/drawing/2014/main" id="{ED97E417-BA96-87C8-6FDE-8EE442C25F31}"/>
               </a:ext>
             </a:extLst>
           </p:cNvPr>
@@ -3700,7 +3701,7 @@
           <a:p>
             <a:r>
               <a:rPr kumimoji="1" lang="ja-JP" altLang="en-US" dirty="0"/>
-              <a:t>実装予定機能</a:t>
+              <a:t>アプリ概要</a:t>
             </a:r>
           </a:p>
         </p:txBody>
@@ -3710,7 +3711,7 @@
           <p:cNvPr id="3" name="コンテンツ プレースホルダー 2">
             <a:extLst>
               <a:ext uri="{FF2B5EF4-FFF2-40B4-BE49-F238E27FC236}">
-                <a16:creationId xmlns:a16="http://schemas.microsoft.com/office/drawing/2014/main" id="{46E16E0D-B73B-853E-357E-84E8204D55AA}"/>
+                <a16:creationId xmlns:a16="http://schemas.microsoft.com/office/drawing/2014/main" id="{B9C9F5E7-45C7-3195-5571-F60ADD8D470B}"/>
               </a:ext>
             </a:extLst>
           </p:cNvPr>
@@ -3728,69 +3729,35 @@
           <a:p>
             <a:r>
               <a:rPr kumimoji="1" lang="ja-JP" altLang="en-US" dirty="0"/>
-              <a:t>シフト入力</a:t>
+              <a:t>完全自己満のシフト管理アプリ</a:t>
             </a:r>
             <a:endParaRPr kumimoji="1" lang="en-US" altLang="ja-JP" dirty="0"/>
           </a:p>
           <a:p>
             <a:r>
-              <a:rPr lang="ja-JP" altLang="en-US" dirty="0"/>
-              <a:t>給料日の設定</a:t>
-            </a:r>
-            <a:endParaRPr lang="en-US" altLang="ja-JP" dirty="0"/>
-          </a:p>
-          <a:p>
-            <a:r>
               <a:rPr kumimoji="1" lang="ja-JP" altLang="en-US" dirty="0"/>
-              <a:t>締め日、月初めの設定</a:t>
-            </a:r>
-            <a:endParaRPr kumimoji="1" lang="en-US" altLang="ja-JP" dirty="0"/>
-          </a:p>
-          <a:p>
-            <a:r>
-              <a:rPr lang="ja-JP" altLang="en-US" dirty="0"/>
-              <a:t>勤務先の登録</a:t>
-            </a:r>
-            <a:endParaRPr lang="en-US" altLang="ja-JP" dirty="0"/>
-          </a:p>
-          <a:p>
-            <a:r>
-              <a:rPr lang="ja-JP" altLang="en-US" dirty="0"/>
-              <a:t>カレンダー</a:t>
-            </a:r>
-            <a:r>
-              <a:rPr lang="en-US" altLang="ja-JP" dirty="0"/>
-              <a:t>(must)</a:t>
-            </a:r>
-          </a:p>
-          <a:p>
-            <a:r>
-              <a:rPr lang="en-US" altLang="ja-JP" dirty="0"/>
+              <a:t>シフト表の画像をアップロードしたら自動で追加される機能</a:t>
+            </a:r>
+            <a:r>
+              <a:rPr kumimoji="1" lang="en-US" altLang="ja-JP" dirty="0"/>
               <a:t>(</a:t>
             </a:r>
             <a:r>
-              <a:rPr lang="ja-JP" altLang="en-US" dirty="0"/>
+              <a:rPr kumimoji="1" lang="ja-JP" altLang="en-US" dirty="0"/>
               <a:t>出来たら良いな</a:t>
             </a:r>
             <a:r>
-              <a:rPr lang="en-US" altLang="ja-JP" dirty="0"/>
+              <a:rPr kumimoji="1" lang="en-US" altLang="ja-JP" dirty="0"/>
               <a:t>)</a:t>
             </a:r>
-            <a:r>
-              <a:rPr lang="ja-JP" altLang="en-US" dirty="0"/>
-              <a:t>シフト表</a:t>
-            </a:r>
-            <a:endParaRPr lang="en-US" altLang="ja-JP" dirty="0"/>
-          </a:p>
-          <a:p>
-            <a:endParaRPr lang="en-US" altLang="ja-JP" dirty="0"/>
+            <a:endParaRPr kumimoji="1" lang="ja-JP" altLang="en-US" dirty="0"/>
           </a:p>
         </p:txBody>
       </p:sp>
     </p:spTree>
     <p:extLst>
       <p:ext uri="{BB962C8B-B14F-4D97-AF65-F5344CB8AC3E}">
-        <p14:creationId xmlns:p14="http://schemas.microsoft.com/office/powerpoint/2010/main" val="1082227943"/>
+        <p14:creationId xmlns:p14="http://schemas.microsoft.com/office/powerpoint/2010/main" val="2605122374"/>
       </p:ext>
     </p:extLst>
   </p:cSld>
@@ -3822,7 +3789,7 @@
           <p:cNvPr id="2" name="タイトル 1">
             <a:extLst>
               <a:ext uri="{FF2B5EF4-FFF2-40B4-BE49-F238E27FC236}">
-                <a16:creationId xmlns:a16="http://schemas.microsoft.com/office/drawing/2014/main" id="{A172D08A-5407-233B-C250-FF56A6010244}"/>
+                <a16:creationId xmlns:a16="http://schemas.microsoft.com/office/drawing/2014/main" id="{2181C7CA-FEC8-7904-043F-1C3EA62864B1}"/>
               </a:ext>
             </a:extLst>
           </p:cNvPr>
@@ -3840,13 +3807,8 @@
           <a:p>
             <a:r>
               <a:rPr kumimoji="1" lang="ja-JP" altLang="en-US" dirty="0"/>
-              <a:t>使用する</a:t>
-            </a:r>
-            <a:r>
-              <a:rPr kumimoji="1" lang="en-US" altLang="ja-JP" dirty="0"/>
-              <a:t>DB</a:t>
-            </a:r>
-            <a:endParaRPr kumimoji="1" lang="ja-JP" altLang="en-US" dirty="0"/>
+              <a:t>実装予定機能</a:t>
+            </a:r>
           </a:p>
         </p:txBody>
       </p:sp>
@@ -3855,7 +3817,7 @@
           <p:cNvPr id="3" name="コンテンツ プレースホルダー 2">
             <a:extLst>
               <a:ext uri="{FF2B5EF4-FFF2-40B4-BE49-F238E27FC236}">
-                <a16:creationId xmlns:a16="http://schemas.microsoft.com/office/drawing/2014/main" id="{413A6658-CA3D-A848-4CF0-E3319351DCEE}"/>
+                <a16:creationId xmlns:a16="http://schemas.microsoft.com/office/drawing/2014/main" id="{46E16E0D-B73B-853E-357E-84E8204D55AA}"/>
               </a:ext>
             </a:extLst>
           </p:cNvPr>
@@ -3872,17 +3834,77 @@
           <a:lstStyle/>
           <a:p>
             <a:r>
-              <a:rPr kumimoji="1" lang="en-US" altLang="ja-JP" dirty="0"/>
-              <a:t>Firebase</a:t>
-            </a:r>
-            <a:endParaRPr kumimoji="1" lang="ja-JP" altLang="en-US" dirty="0"/>
+              <a:rPr kumimoji="1" lang="ja-JP" altLang="en-US" dirty="0"/>
+              <a:t>シフト入力</a:t>
+            </a:r>
+            <a:endParaRPr kumimoji="1" lang="en-US" altLang="ja-JP" dirty="0"/>
+          </a:p>
+          <a:p>
+            <a:r>
+              <a:rPr lang="ja-JP" altLang="en-US" dirty="0"/>
+              <a:t>給料日の設定</a:t>
+            </a:r>
+            <a:endParaRPr lang="en-US" altLang="ja-JP" dirty="0"/>
+          </a:p>
+          <a:p>
+            <a:r>
+              <a:rPr kumimoji="1" lang="ja-JP" altLang="en-US" dirty="0"/>
+              <a:t>締め日、月初めの設定</a:t>
+            </a:r>
+            <a:endParaRPr kumimoji="1" lang="en-US" altLang="ja-JP" dirty="0"/>
+          </a:p>
+          <a:p>
+            <a:r>
+              <a:rPr lang="ja-JP" altLang="en-US" dirty="0"/>
+              <a:t>勤務先の登録</a:t>
+            </a:r>
+            <a:endParaRPr lang="en-US" altLang="ja-JP" dirty="0"/>
+          </a:p>
+          <a:p>
+            <a:r>
+              <a:rPr lang="ja-JP" altLang="en-US" dirty="0"/>
+              <a:t>カレンダー</a:t>
+            </a:r>
+            <a:r>
+              <a:rPr lang="en-US" altLang="ja-JP" dirty="0"/>
+              <a:t>(must)</a:t>
+            </a:r>
+          </a:p>
+          <a:p>
+            <a:r>
+              <a:rPr lang="ja-JP" altLang="en-US"/>
+              <a:t>誰が出勤するのかをメモできる</a:t>
+            </a:r>
+            <a:endParaRPr lang="en-US" altLang="ja-JP" dirty="0"/>
+          </a:p>
+          <a:p>
+            <a:r>
+              <a:rPr lang="en-US" altLang="ja-JP" dirty="0"/>
+              <a:t>(</a:t>
+            </a:r>
+            <a:r>
+              <a:rPr lang="ja-JP" altLang="en-US" dirty="0"/>
+              <a:t>出来たら良いな</a:t>
+            </a:r>
+            <a:r>
+              <a:rPr lang="en-US" altLang="ja-JP" dirty="0"/>
+              <a:t>)</a:t>
+            </a:r>
+            <a:r>
+              <a:rPr lang="ja-JP" altLang="en-US" dirty="0"/>
+              <a:t>シフト表</a:t>
+            </a:r>
+            <a:endParaRPr lang="en-US" altLang="ja-JP" dirty="0"/>
+          </a:p>
+          <a:p>
+            <a:endParaRPr lang="en-US" altLang="ja-JP" dirty="0"/>
           </a:p>
         </p:txBody>
       </p:sp>
     </p:spTree>
     <p:extLst>
       <p:ext uri="{BB962C8B-B14F-4D97-AF65-F5344CB8AC3E}">
-        <p14:creationId xmlns:p14="http://schemas.microsoft.com/office/powerpoint/2010/main" val="18720281"/>
+        <p14:creationId xmlns:p14="http://schemas.microsoft.com/office/powerpoint/2010/main" val="1082227943"/>
       </p:ext>
     </p:extLst>
   </p:cSld>
@@ -3911,6 +3933,98 @@
       </p:grpSpPr>
       <p:sp>
         <p:nvSpPr>
+          <p:cNvPr id="2" name="タイトル 1">
+            <a:extLst>
+              <a:ext uri="{FF2B5EF4-FFF2-40B4-BE49-F238E27FC236}">
+                <a16:creationId xmlns:a16="http://schemas.microsoft.com/office/drawing/2014/main" id="{A172D08A-5407-233B-C250-FF56A6010244}"/>
+              </a:ext>
+            </a:extLst>
+          </p:cNvPr>
+          <p:cNvSpPr>
+            <a:spLocks noGrp="1"/>
+          </p:cNvSpPr>
+          <p:nvPr>
+            <p:ph type="title"/>
+          </p:nvPr>
+        </p:nvSpPr>
+        <p:spPr/>
+        <p:txBody>
+          <a:bodyPr/>
+          <a:lstStyle/>
+          <a:p>
+            <a:r>
+              <a:rPr kumimoji="1" lang="ja-JP" altLang="en-US" dirty="0"/>
+              <a:t>使用する</a:t>
+            </a:r>
+            <a:r>
+              <a:rPr kumimoji="1" lang="en-US" altLang="ja-JP" dirty="0"/>
+              <a:t>DB</a:t>
+            </a:r>
+            <a:endParaRPr kumimoji="1" lang="ja-JP" altLang="en-US" dirty="0"/>
+          </a:p>
+        </p:txBody>
+      </p:sp>
+      <p:sp>
+        <p:nvSpPr>
+          <p:cNvPr id="3" name="コンテンツ プレースホルダー 2">
+            <a:extLst>
+              <a:ext uri="{FF2B5EF4-FFF2-40B4-BE49-F238E27FC236}">
+                <a16:creationId xmlns:a16="http://schemas.microsoft.com/office/drawing/2014/main" id="{413A6658-CA3D-A848-4CF0-E3319351DCEE}"/>
+              </a:ext>
+            </a:extLst>
+          </p:cNvPr>
+          <p:cNvSpPr>
+            <a:spLocks noGrp="1"/>
+          </p:cNvSpPr>
+          <p:nvPr>
+            <p:ph idx="1"/>
+          </p:nvPr>
+        </p:nvSpPr>
+        <p:spPr/>
+        <p:txBody>
+          <a:bodyPr/>
+          <a:lstStyle/>
+          <a:p>
+            <a:r>
+              <a:rPr kumimoji="1" lang="en-US" altLang="ja-JP" dirty="0"/>
+              <a:t>Firebase</a:t>
+            </a:r>
+            <a:endParaRPr kumimoji="1" lang="ja-JP" altLang="en-US" dirty="0"/>
+          </a:p>
+        </p:txBody>
+      </p:sp>
+    </p:spTree>
+    <p:extLst>
+      <p:ext uri="{BB962C8B-B14F-4D97-AF65-F5344CB8AC3E}">
+        <p14:creationId xmlns:p14="http://schemas.microsoft.com/office/powerpoint/2010/main" val="18720281"/>
+      </p:ext>
+    </p:extLst>
+  </p:cSld>
+  <p:clrMapOvr>
+    <a:masterClrMapping/>
+  </p:clrMapOvr>
+</p:sld>
+</file>
+
+<file path=ppt/slides/slide5.xml><?xml version="1.0" encoding="utf-8"?>
+<p:sld xmlns:a="http://schemas.openxmlformats.org/drawingml/2006/main" xmlns:r="http://schemas.openxmlformats.org/officeDocument/2006/relationships" xmlns:p="http://schemas.openxmlformats.org/presentationml/2006/main">
+  <p:cSld>
+    <p:spTree>
+      <p:nvGrpSpPr>
+        <p:cNvPr id="1" name=""/>
+        <p:cNvGrpSpPr/>
+        <p:nvPr/>
+      </p:nvGrpSpPr>
+      <p:grpSpPr>
+        <a:xfrm>
+          <a:off x="0" y="0"/>
+          <a:ext cx="0" cy="0"/>
+          <a:chOff x="0" y="0"/>
+          <a:chExt cx="0" cy="0"/>
+        </a:xfrm>
+      </p:grpSpPr>
+      <p:sp>
+        <p:nvSpPr>
           <p:cNvPr id="3" name="コンテンツ プレースホルダー 2">
             <a:extLst>
               <a:ext uri="{FF2B5EF4-FFF2-40B4-BE49-F238E27FC236}">
@@ -4049,7 +4163,7 @@
 </p:sld>
 </file>
 
-<file path=ppt/slides/slide5.xml><?xml version="1.0" encoding="utf-8"?>
+<file path=ppt/slides/slide6.xml><?xml version="1.0" encoding="utf-8"?>
 <p:sld xmlns:a="http://schemas.openxmlformats.org/drawingml/2006/main" xmlns:r="http://schemas.openxmlformats.org/officeDocument/2006/relationships" xmlns:p="http://schemas.openxmlformats.org/presentationml/2006/main">
   <p:cSld>
     <p:spTree>
@@ -4175,7 +4289,7 @@
 </p:sld>
 </file>
 
-<file path=ppt/slides/slide6.xml><?xml version="1.0" encoding="utf-8"?>
+<file path=ppt/slides/slide7.xml><?xml version="1.0" encoding="utf-8"?>
 <p:sld xmlns:a="http://schemas.openxmlformats.org/drawingml/2006/main" xmlns:r="http://schemas.openxmlformats.org/officeDocument/2006/relationships" xmlns:p="http://schemas.openxmlformats.org/presentationml/2006/main">
   <p:cSld>
     <p:spTree>

--- a/シフマネ_渡辺晃大朗.pptx
+++ b/シフマネ_渡辺晃大朗.pptx
@@ -12,6 +12,7 @@
     <p:sldId id="258" r:id="rId6"/>
     <p:sldId id="259" r:id="rId7"/>
     <p:sldId id="261" r:id="rId8"/>
+    <p:sldId id="263" r:id="rId9"/>
   </p:sldIdLst>
   <p:sldSz cx="12192000" cy="6858000"/>
   <p:notesSz cx="6858000" cy="9144000"/>
@@ -4416,6 +4417,149 @@
     <p:extLst>
       <p:ext uri="{BB962C8B-B14F-4D97-AF65-F5344CB8AC3E}">
         <p14:creationId xmlns:p14="http://schemas.microsoft.com/office/powerpoint/2010/main" val="1899303384"/>
+      </p:ext>
+    </p:extLst>
+  </p:cSld>
+  <p:clrMapOvr>
+    <a:masterClrMapping/>
+  </p:clrMapOvr>
+</p:sld>
+</file>
+
+<file path=ppt/slides/slide8.xml><?xml version="1.0" encoding="utf-8"?>
+<p:sld xmlns:a="http://schemas.openxmlformats.org/drawingml/2006/main" xmlns:r="http://schemas.openxmlformats.org/officeDocument/2006/relationships" xmlns:p="http://schemas.openxmlformats.org/presentationml/2006/main">
+  <p:cSld>
+    <p:spTree>
+      <p:nvGrpSpPr>
+        <p:cNvPr id="1" name="">
+          <a:extLst>
+            <a:ext uri="{FF2B5EF4-FFF2-40B4-BE49-F238E27FC236}">
+              <a16:creationId xmlns:a16="http://schemas.microsoft.com/office/drawing/2014/main" id="{6B3D4632-8A01-4230-D826-D8499CFA0F55}"/>
+            </a:ext>
+          </a:extLst>
+        </p:cNvPr>
+        <p:cNvGrpSpPr/>
+        <p:nvPr/>
+      </p:nvGrpSpPr>
+      <p:grpSpPr>
+        <a:xfrm>
+          <a:off x="0" y="0"/>
+          <a:ext cx="0" cy="0"/>
+          <a:chOff x="0" y="0"/>
+          <a:chExt cx="0" cy="0"/>
+        </a:xfrm>
+      </p:grpSpPr>
+      <p:sp>
+        <p:nvSpPr>
+          <p:cNvPr id="3" name="コンテンツ プレースホルダー 2">
+            <a:extLst>
+              <a:ext uri="{FF2B5EF4-FFF2-40B4-BE49-F238E27FC236}">
+                <a16:creationId xmlns:a16="http://schemas.microsoft.com/office/drawing/2014/main" id="{984DBA6F-71ED-3B93-649A-5960271884A0}"/>
+              </a:ext>
+            </a:extLst>
+          </p:cNvPr>
+          <p:cNvSpPr>
+            <a:spLocks noGrp="1"/>
+          </p:cNvSpPr>
+          <p:nvPr>
+            <p:ph idx="1"/>
+          </p:nvPr>
+        </p:nvSpPr>
+        <p:spPr>
+          <a:xfrm>
+            <a:off x="838200" y="1788680"/>
+            <a:ext cx="10515600" cy="4351338"/>
+          </a:xfrm>
+        </p:spPr>
+        <p:txBody>
+          <a:bodyPr/>
+          <a:lstStyle/>
+          <a:p>
+            <a:r>
+              <a:rPr lang="ja-JP" altLang="en-US" dirty="0"/>
+              <a:t>各種ボタン・入力テキストの処理</a:t>
+            </a:r>
+            <a:endParaRPr kumimoji="1" lang="en-US" altLang="ja-JP" dirty="0"/>
+          </a:p>
+          <a:p>
+            <a:pPr marL="0" indent="0">
+              <a:buNone/>
+            </a:pPr>
+            <a:r>
+              <a:rPr lang="en-US" altLang="ja-JP" dirty="0"/>
+              <a:t>Code Zine</a:t>
+            </a:r>
+          </a:p>
+          <a:p>
+            <a:pPr marL="0" indent="0">
+              <a:buNone/>
+            </a:pPr>
+            <a:r>
+              <a:rPr kumimoji="1" lang="en-US" altLang="ja-JP" dirty="0">
+                <a:hlinkClick r:id="rId2"/>
+              </a:rPr>
+              <a:t>https://codezine.jp/article/detail/15268</a:t>
+            </a:r>
+            <a:endParaRPr kumimoji="1" lang="en-US" altLang="ja-JP" dirty="0"/>
+          </a:p>
+          <a:p>
+            <a:pPr marL="0" indent="0">
+              <a:buNone/>
+            </a:pPr>
+            <a:r>
+              <a:rPr kumimoji="1" lang="en-US" altLang="ja-JP" dirty="0">
+                <a:hlinkClick r:id="rId3"/>
+              </a:rPr>
+              <a:t>https://codezine.jp/article/detail/15629?p=2</a:t>
+            </a:r>
+            <a:endParaRPr lang="en-US" altLang="ja-JP" dirty="0"/>
+          </a:p>
+          <a:p>
+            <a:pPr marL="0" indent="0">
+              <a:buNone/>
+            </a:pPr>
+            <a:endParaRPr kumimoji="1" lang="en-US" altLang="ja-JP" dirty="0"/>
+          </a:p>
+        </p:txBody>
+      </p:sp>
+      <p:sp>
+        <p:nvSpPr>
+          <p:cNvPr id="2" name="タイトル 1">
+            <a:extLst>
+              <a:ext uri="{FF2B5EF4-FFF2-40B4-BE49-F238E27FC236}">
+                <a16:creationId xmlns:a16="http://schemas.microsoft.com/office/drawing/2014/main" id="{98168E3D-B099-352E-079A-813519D0E74B}"/>
+              </a:ext>
+            </a:extLst>
+          </p:cNvPr>
+          <p:cNvSpPr>
+            <a:spLocks noGrp="1"/>
+          </p:cNvSpPr>
+          <p:nvPr>
+            <p:ph type="title"/>
+          </p:nvPr>
+        </p:nvSpPr>
+        <p:spPr>
+          <a:xfrm>
+            <a:off x="838200" y="365125"/>
+            <a:ext cx="10515600" cy="1325563"/>
+          </a:xfrm>
+        </p:spPr>
+        <p:txBody>
+          <a:bodyPr/>
+          <a:lstStyle/>
+          <a:p>
+            <a:r>
+              <a:rPr lang="ja-JP" altLang="en-US" dirty="0"/>
+              <a:t>参考資料</a:t>
+            </a:r>
+            <a:endParaRPr kumimoji="1" lang="ja-JP" altLang="en-US" dirty="0"/>
+          </a:p>
+        </p:txBody>
+      </p:sp>
+    </p:spTree>
+    <p:extLst>
+      <p:ext uri="{BB962C8B-B14F-4D97-AF65-F5344CB8AC3E}">
+        <p14:creationId xmlns:p14="http://schemas.microsoft.com/office/powerpoint/2010/main" val="1638596707"/>
       </p:ext>
     </p:extLst>
   </p:cSld>

--- a/シフマネ_渡辺晃大朗.pptx
+++ b/シフマネ_渡辺晃大朗.pptx
@@ -266,7 +266,7 @@
           <a:p>
             <a:fld id="{FF28E7E8-490A-4506-8455-8F0CB2BCAFA0}" type="datetimeFigureOut">
               <a:rPr kumimoji="1" lang="ja-JP" altLang="en-US" smtClean="0"/>
-              <a:t>2025/5/7</a:t>
+              <a:t>2025/5/14</a:t>
             </a:fld>
             <a:endParaRPr kumimoji="1" lang="ja-JP" altLang="en-US"/>
           </a:p>
@@ -496,7 +496,7 @@
           <a:p>
             <a:fld id="{FF28E7E8-490A-4506-8455-8F0CB2BCAFA0}" type="datetimeFigureOut">
               <a:rPr kumimoji="1" lang="ja-JP" altLang="en-US" smtClean="0"/>
-              <a:t>2025/5/7</a:t>
+              <a:t>2025/5/14</a:t>
             </a:fld>
             <a:endParaRPr kumimoji="1" lang="ja-JP" altLang="en-US"/>
           </a:p>
@@ -736,7 +736,7 @@
           <a:p>
             <a:fld id="{FF28E7E8-490A-4506-8455-8F0CB2BCAFA0}" type="datetimeFigureOut">
               <a:rPr kumimoji="1" lang="ja-JP" altLang="en-US" smtClean="0"/>
-              <a:t>2025/5/7</a:t>
+              <a:t>2025/5/14</a:t>
             </a:fld>
             <a:endParaRPr kumimoji="1" lang="ja-JP" altLang="en-US"/>
           </a:p>
@@ -966,7 +966,7 @@
           <a:p>
             <a:fld id="{FF28E7E8-490A-4506-8455-8F0CB2BCAFA0}" type="datetimeFigureOut">
               <a:rPr kumimoji="1" lang="ja-JP" altLang="en-US" smtClean="0"/>
-              <a:t>2025/5/7</a:t>
+              <a:t>2025/5/14</a:t>
             </a:fld>
             <a:endParaRPr kumimoji="1" lang="ja-JP" altLang="en-US"/>
           </a:p>
@@ -1241,7 +1241,7 @@
           <a:p>
             <a:fld id="{FF28E7E8-490A-4506-8455-8F0CB2BCAFA0}" type="datetimeFigureOut">
               <a:rPr kumimoji="1" lang="ja-JP" altLang="en-US" smtClean="0"/>
-              <a:t>2025/5/7</a:t>
+              <a:t>2025/5/14</a:t>
             </a:fld>
             <a:endParaRPr kumimoji="1" lang="ja-JP" altLang="en-US"/>
           </a:p>
@@ -1570,7 +1570,7 @@
           <a:p>
             <a:fld id="{FF28E7E8-490A-4506-8455-8F0CB2BCAFA0}" type="datetimeFigureOut">
               <a:rPr kumimoji="1" lang="ja-JP" altLang="en-US" smtClean="0"/>
-              <a:t>2025/5/7</a:t>
+              <a:t>2025/5/14</a:t>
             </a:fld>
             <a:endParaRPr kumimoji="1" lang="ja-JP" altLang="en-US"/>
           </a:p>
@@ -2046,7 +2046,7 @@
           <a:p>
             <a:fld id="{FF28E7E8-490A-4506-8455-8F0CB2BCAFA0}" type="datetimeFigureOut">
               <a:rPr kumimoji="1" lang="ja-JP" altLang="en-US" smtClean="0"/>
-              <a:t>2025/5/7</a:t>
+              <a:t>2025/5/14</a:t>
             </a:fld>
             <a:endParaRPr kumimoji="1" lang="ja-JP" altLang="en-US"/>
           </a:p>
@@ -2187,7 +2187,7 @@
           <a:p>
             <a:fld id="{FF28E7E8-490A-4506-8455-8F0CB2BCAFA0}" type="datetimeFigureOut">
               <a:rPr kumimoji="1" lang="ja-JP" altLang="en-US" smtClean="0"/>
-              <a:t>2025/5/7</a:t>
+              <a:t>2025/5/14</a:t>
             </a:fld>
             <a:endParaRPr kumimoji="1" lang="ja-JP" altLang="en-US"/>
           </a:p>
@@ -2300,7 +2300,7 @@
           <a:p>
             <a:fld id="{FF28E7E8-490A-4506-8455-8F0CB2BCAFA0}" type="datetimeFigureOut">
               <a:rPr kumimoji="1" lang="ja-JP" altLang="en-US" smtClean="0"/>
-              <a:t>2025/5/7</a:t>
+              <a:t>2025/5/14</a:t>
             </a:fld>
             <a:endParaRPr kumimoji="1" lang="ja-JP" altLang="en-US"/>
           </a:p>
@@ -2643,7 +2643,7 @@
           <a:p>
             <a:fld id="{FF28E7E8-490A-4506-8455-8F0CB2BCAFA0}" type="datetimeFigureOut">
               <a:rPr kumimoji="1" lang="ja-JP" altLang="en-US" smtClean="0"/>
-              <a:t>2025/5/7</a:t>
+              <a:t>2025/5/14</a:t>
             </a:fld>
             <a:endParaRPr kumimoji="1" lang="ja-JP" altLang="en-US"/>
           </a:p>
@@ -2931,7 +2931,7 @@
           <a:p>
             <a:fld id="{FF28E7E8-490A-4506-8455-8F0CB2BCAFA0}" type="datetimeFigureOut">
               <a:rPr kumimoji="1" lang="ja-JP" altLang="en-US" smtClean="0"/>
-              <a:t>2025/5/7</a:t>
+              <a:t>2025/5/14</a:t>
             </a:fld>
             <a:endParaRPr kumimoji="1" lang="ja-JP" altLang="en-US"/>
           </a:p>
@@ -3204,7 +3204,7 @@
           <a:p>
             <a:fld id="{FF28E7E8-490A-4506-8455-8F0CB2BCAFA0}" type="datetimeFigureOut">
               <a:rPr kumimoji="1" lang="ja-JP" altLang="en-US" smtClean="0"/>
-              <a:t>2025/5/7</a:t>
+              <a:t>2025/5/14</a:t>
             </a:fld>
             <a:endParaRPr kumimoji="1" lang="ja-JP" altLang="en-US"/>
           </a:p>
@@ -3874,6 +3874,13 @@
           <a:p>
             <a:r>
               <a:rPr lang="ja-JP" altLang="en-US"/>
+              <a:t>給料計算</a:t>
+            </a:r>
+            <a:endParaRPr lang="en-US" altLang="ja-JP" dirty="0"/>
+          </a:p>
+          <a:p>
+            <a:r>
+              <a:rPr lang="ja-JP" altLang="en-US" dirty="0"/>
               <a:t>誰が出勤するのかをメモできる</a:t>
             </a:r>
             <a:endParaRPr lang="en-US" altLang="ja-JP" dirty="0"/>
@@ -4274,6 +4281,55 @@
               <a:t>参考資料</a:t>
             </a:r>
             <a:endParaRPr kumimoji="1" lang="ja-JP" altLang="en-US" dirty="0"/>
+          </a:p>
+        </p:txBody>
+      </p:sp>
+      <p:sp>
+        <p:nvSpPr>
+          <p:cNvPr id="5" name="テキスト ボックス 4">
+            <a:extLst>
+              <a:ext uri="{FF2B5EF4-FFF2-40B4-BE49-F238E27FC236}">
+                <a16:creationId xmlns:a16="http://schemas.microsoft.com/office/drawing/2014/main" id="{E1F3DA8E-6BD5-1F58-0254-2D2DF03FD7CB}"/>
+              </a:ext>
+            </a:extLst>
+          </p:cNvPr>
+          <p:cNvSpPr txBox="1"/>
+          <p:nvPr/>
+        </p:nvSpPr>
+        <p:spPr>
+          <a:xfrm>
+            <a:off x="838200" y="4237950"/>
+            <a:ext cx="11451770" cy="1077218"/>
+          </a:xfrm>
+          <a:prstGeom prst="rect">
+            <a:avLst/>
+          </a:prstGeom>
+          <a:noFill/>
+        </p:spPr>
+        <p:txBody>
+          <a:bodyPr wrap="square">
+            <a:spAutoFit/>
+          </a:bodyPr>
+          <a:lstStyle/>
+          <a:p>
+            <a:r>
+              <a:rPr lang="ja-JP" altLang="en-US" sz="3200" dirty="0">
+                <a:hlinkClick r:id="rId3"/>
+              </a:rPr>
+              <a:t>ナビゲーションバーの参考</a:t>
+            </a:r>
+            <a:endParaRPr lang="en-US" altLang="ja-JP" sz="3200" dirty="0">
+              <a:hlinkClick r:id="rId3"/>
+            </a:endParaRPr>
+          </a:p>
+          <a:p>
+            <a:r>
+              <a:rPr lang="ja-JP" altLang="en-US" sz="3200" dirty="0">
+                <a:hlinkClick r:id="rId3"/>
+              </a:rPr>
+              <a:t>https://qiita.com/riku333/items/0e02e576e8dfa1878fb3</a:t>
+            </a:r>
+            <a:endParaRPr lang="en-US" altLang="ja-JP" sz="3200" dirty="0"/>
           </a:p>
         </p:txBody>
       </p:sp>
